--- a/Presentaciones/PRESENTACIÓN DIA 19 BOOTSTRAP.pptx
+++ b/Presentaciones/PRESENTACIÓN DIA 19 BOOTSTRAP.pptx
@@ -6188,7 +6188,7 @@
           <a:p>
             <a:pPr algn="just"/>
             <a:r>
-              <a:rPr lang="es-MX" sz="2400" b="1">
+              <a:rPr lang="es-MX" sz="2400" b="1" dirty="0">
                 <a:solidFill>
                   <a:schemeClr val="bg1"/>
                 </a:solidFill>
@@ -6200,7 +6200,67 @@
                   </a:outerShdw>
                 </a:effectLst>
               </a:rPr>
-              <a:t>Agregar los controles anterior y siguiente. Recomendamos usar &lt;button&gt;elementos, pero también puede usar &lt;a&gt;elementos con role="button".</a:t>
+              <a:t>Agregar los controles anterior y siguiente. Recomendamos usar &lt;</a:t>
+            </a:r>
+            <a:r>
+              <a:rPr lang="es-MX" sz="2400" b="1" dirty="0" err="1">
+                <a:solidFill>
+                  <a:schemeClr val="bg1"/>
+                </a:solidFill>
+                <a:effectLst>
+                  <a:outerShdw blurRad="38100" dist="38100" dir="2700000" algn="tl">
+                    <a:srgbClr val="000000">
+                      <a:alpha val="43137"/>
+                    </a:srgbClr>
+                  </a:outerShdw>
+                </a:effectLst>
+              </a:rPr>
+              <a:t>button</a:t>
+            </a:r>
+            <a:r>
+              <a:rPr lang="es-MX" sz="2400" b="1" dirty="0">
+                <a:solidFill>
+                  <a:schemeClr val="bg1"/>
+                </a:solidFill>
+                <a:effectLst>
+                  <a:outerShdw blurRad="38100" dist="38100" dir="2700000" algn="tl">
+                    <a:srgbClr val="000000">
+                      <a:alpha val="43137"/>
+                    </a:srgbClr>
+                  </a:outerShdw>
+                </a:effectLst>
+              </a:rPr>
+              <a:t>&gt;elementos, pero también puede usar &lt;a&gt;elementos con role="</a:t>
+            </a:r>
+            <a:r>
+              <a:rPr lang="es-MX" sz="2400" b="1" dirty="0" err="1">
+                <a:solidFill>
+                  <a:schemeClr val="bg1"/>
+                </a:solidFill>
+                <a:effectLst>
+                  <a:outerShdw blurRad="38100" dist="38100" dir="2700000" algn="tl">
+                    <a:srgbClr val="000000">
+                      <a:alpha val="43137"/>
+                    </a:srgbClr>
+                  </a:outerShdw>
+                </a:effectLst>
+              </a:rPr>
+              <a:t>button</a:t>
+            </a:r>
+            <a:r>
+              <a:rPr lang="es-MX" sz="2400" b="1" dirty="0">
+                <a:solidFill>
+                  <a:schemeClr val="bg1"/>
+                </a:solidFill>
+                <a:effectLst>
+                  <a:outerShdw blurRad="38100" dist="38100" dir="2700000" algn="tl">
+                    <a:srgbClr val="000000">
+                      <a:alpha val="43137"/>
+                    </a:srgbClr>
+                  </a:outerShdw>
+                </a:effectLst>
+              </a:rPr>
+              <a:t>".</a:t>
             </a:r>
             <a:endParaRPr lang="es-CO" sz="2400" b="1" dirty="0">
               <a:solidFill>
@@ -7246,7 +7306,39 @@
                 </a:effectLst>
                 <a:latin typeface="Century Gothic (Cuerpo)"/>
               </a:rPr>
-              <a:t>1. Crea un carrusel de 4 imágenes, añade: indicadores, controles, animación y subtítulos</a:t>
+              <a:t>1. Añade un nuevo </a:t>
+            </a:r>
+            <a:r>
+              <a:rPr lang="es-MX" sz="3200" b="1" dirty="0" err="1">
+                <a:solidFill>
+                  <a:schemeClr val="tx1"/>
+                </a:solidFill>
+                <a:effectLst>
+                  <a:outerShdw blurRad="38100" dist="38100" dir="2700000" algn="tl">
+                    <a:srgbClr val="000000">
+                      <a:alpha val="43137"/>
+                    </a:srgbClr>
+                  </a:outerShdw>
+                </a:effectLst>
+                <a:latin typeface="Century Gothic (Cuerpo)"/>
+              </a:rPr>
+              <a:t>carousel-item</a:t>
+            </a:r>
+            <a:r>
+              <a:rPr lang="es-MX" sz="3200" b="1" dirty="0">
+                <a:solidFill>
+                  <a:schemeClr val="tx1"/>
+                </a:solidFill>
+                <a:effectLst>
+                  <a:outerShdw blurRad="38100" dist="38100" dir="2700000" algn="tl">
+                    <a:srgbClr val="000000">
+                      <a:alpha val="43137"/>
+                    </a:srgbClr>
+                  </a:outerShdw>
+                </a:effectLst>
+                <a:latin typeface="Century Gothic (Cuerpo)"/>
+              </a:rPr>
+              <a:t> además de indicadores, controles, animación y subtítulos</a:t>
             </a:r>
           </a:p>
         </p:txBody>
